--- a/Red Neuronal Cuántica (QNN).pptx
+++ b/Red Neuronal Cuántica (QNN).pptx
@@ -9886,7 +9886,7 @@
         </p:nvSpPr>
         <p:spPr>
           <a:xfrm>
-            <a:off x="4267200" y="1615736"/>
+            <a:off x="4267200" y="7348"/>
             <a:ext cx="4179570" cy="1524735"/>
           </a:xfrm>
         </p:spPr>
@@ -9924,7 +9924,7 @@
         </p:nvSpPr>
         <p:spPr>
           <a:xfrm>
-            <a:off x="4267200" y="3238103"/>
+            <a:off x="4267200" y="1651350"/>
             <a:ext cx="3621741" cy="2850181"/>
           </a:xfrm>
         </p:spPr>
@@ -9944,6 +9944,18 @@
               <a:rPr lang="en-US" dirty="0"/>
               <a:t>Eduardo Solano</a:t>
             </a:r>
+          </a:p>
+          <a:p>
+            <a:endParaRPr lang="en-US" dirty="0"/>
+          </a:p>
+          <a:p>
+            <a:endParaRPr lang="en-US" dirty="0"/>
+          </a:p>
+          <a:p>
+            <a:endParaRPr lang="en-US" dirty="0"/>
+          </a:p>
+          <a:p>
+            <a:endParaRPr lang="en-US" dirty="0"/>
           </a:p>
           <a:p>
             <a:endParaRPr lang="en-US" dirty="0"/>
@@ -9991,6 +10003,35 @@
           </a:p>
         </p:txBody>
       </p:sp>
+      <p:pic>
+        <p:nvPicPr>
+          <p:cNvPr id="5" name="Picture 4" descr="A qr code with a cat logo&#10;&#10;Description automatically generated">
+            <a:extLst>
+              <a:ext uri="{FF2B5EF4-FFF2-40B4-BE49-F238E27FC236}">
+                <a16:creationId xmlns:a16="http://schemas.microsoft.com/office/drawing/2014/main" id="{0B3A06B4-5AC1-3A59-B14F-FE46F2B6B03D}"/>
+              </a:ext>
+            </a:extLst>
+          </p:cNvPr>
+          <p:cNvPicPr>
+            <a:picLocks noChangeAspect="1"/>
+          </p:cNvPicPr>
+          <p:nvPr/>
+        </p:nvPicPr>
+        <p:blipFill rotWithShape="1">
+          <a:blip r:embed="rId3"/>
+          <a:srcRect l="3473" t="3473" r="3473" b="3333"/>
+          <a:stretch/>
+        </p:blipFill>
+        <p:spPr>
+          <a:xfrm>
+            <a:off x="4345445" y="2758353"/>
+            <a:ext cx="2507308" cy="2511050"/>
+          </a:xfrm>
+          <a:prstGeom prst="rect">
+            <a:avLst/>
+          </a:prstGeom>
+        </p:spPr>
+      </p:pic>
     </p:spTree>
     <p:extLst>
       <p:ext uri="{BB962C8B-B14F-4D97-AF65-F5344CB8AC3E}">
@@ -10752,8 +10793,8 @@
           <a:chExt cx="0" cy="0"/>
         </a:xfrm>
       </p:grpSpPr>
-      <mc:AlternateContent xmlns:mc="http://schemas.openxmlformats.org/markup-compatibility/2006">
-        <mc:Choice xmlns:a14="http://schemas.microsoft.com/office/drawing/2010/main" Requires="a14">
+      <mc:AlternateContent xmlns:mc="http://schemas.openxmlformats.org/markup-compatibility/2006" xmlns:a14="http://schemas.microsoft.com/office/drawing/2010/main">
+        <mc:Choice Requires="a14">
           <p:sp>
             <p:nvSpPr>
               <p:cNvPr id="2" name="Title 1">
@@ -10924,7 +10965,7 @@
             </p:txBody>
           </p:sp>
         </mc:Choice>
-        <mc:Fallback>
+        <mc:Fallback xmlns="">
           <p:sp>
             <p:nvSpPr>
               <p:cNvPr id="2" name="Title 1">
@@ -11073,8 +11114,8 @@
           </a:p>
         </p:txBody>
       </p:sp>
-      <mc:AlternateContent xmlns:mc="http://schemas.openxmlformats.org/markup-compatibility/2006">
-        <mc:Choice xmlns:a14="http://schemas.microsoft.com/office/drawing/2010/main" Requires="a14">
+      <mc:AlternateContent xmlns:mc="http://schemas.openxmlformats.org/markup-compatibility/2006" xmlns:a14="http://schemas.microsoft.com/office/drawing/2010/main">
+        <mc:Choice Requires="a14">
           <p:sp>
             <p:nvSpPr>
               <p:cNvPr id="35" name="Content Placeholder 34">
@@ -11146,6 +11187,7 @@
                 <a:endParaRPr lang="es-419" dirty="0"/>
               </a:p>
               <a:p>
+                <a:pPr/>
                 <a14:m>
                   <m:oMathPara xmlns:m="http://schemas.openxmlformats.org/officeDocument/2006/math">
                     <m:oMathParaPr>
@@ -11239,7 +11281,7 @@
             </p:txBody>
           </p:sp>
         </mc:Choice>
-        <mc:Fallback>
+        <mc:Fallback xmlns="">
           <p:sp>
             <p:nvSpPr>
               <p:cNvPr id="35" name="Content Placeholder 34">
@@ -12502,6 +12544,35 @@
 </file>
 
 <file path=customXml/item1.xml><?xml version="1.0" encoding="utf-8"?>
+<?mso-contentType ?>
+<FormTemplates xmlns="http://schemas.microsoft.com/sharepoint/v3/contenttype/forms">
+  <Display>DocumentLibraryForm</Display>
+  <Edit>DocumentLibraryForm</Edit>
+  <New>DocumentLibraryForm</New>
+</FormTemplates>
+</file>
+
+<file path=customXml/item2.xml><?xml version="1.0" encoding="utf-8"?>
+<p:properties xmlns:p="http://schemas.microsoft.com/office/2006/metadata/properties" xmlns:xsi="http://www.w3.org/2001/XMLSchema-instance" xmlns:pc="http://schemas.microsoft.com/office/infopath/2007/PartnerControls">
+  <documentManagement>
+    <_ip_UnifiedCompliancePolicyUIAction xmlns="http://schemas.microsoft.com/sharepoint/v3" xsi:nil="true"/>
+    <Image xmlns="71af3243-3dd4-4a8d-8c0d-dd76da1f02a5">
+      <Url xsi:nil="true"/>
+      <Description xsi:nil="true"/>
+    </Image>
+    <Status xmlns="71af3243-3dd4-4a8d-8c0d-dd76da1f02a5">Not started</Status>
+    <Background xmlns="71af3243-3dd4-4a8d-8c0d-dd76da1f02a5">false</Background>
+    <_ip_UnifiedCompliancePolicyProperties xmlns="http://schemas.microsoft.com/sharepoint/v3" xsi:nil="true"/>
+    <ImageTagsTaxHTField xmlns="71af3243-3dd4-4a8d-8c0d-dd76da1f02a5">
+      <Terms xmlns="http://schemas.microsoft.com/office/infopath/2007/PartnerControls"/>
+    </ImageTagsTaxHTField>
+    <TaxCatchAll xmlns="230e9df3-be65-4c73-a93b-d1236ebd677e" xsi:nil="true"/>
+    <MediaServiceKeyPoints xmlns="71af3243-3dd4-4a8d-8c0d-dd76da1f02a5" xsi:nil="true"/>
+  </documentManagement>
+</p:properties>
+</file>
+
+<file path=customXml/item3.xml><?xml version="1.0" encoding="utf-8"?>
 <ct:contentTypeSchema xmlns:ct="http://schemas.microsoft.com/office/2006/metadata/contentType" xmlns:ma="http://schemas.microsoft.com/office/2006/metadata/properties/metaAttributes" ct:_="" ma:_="" ma:contentTypeName="Document" ma:contentTypeID="0x01010079F111ED35F8CC479449609E8A0923A6" ma:contentTypeVersion="28" ma:contentTypeDescription="Create a new document." ma:contentTypeScope="" ma:versionID="60f5a4f2d2b0abadcf532d48ebf9cb71">
   <xsd:schema xmlns:xsd="http://www.w3.org/2001/XMLSchema" xmlns:xs="http://www.w3.org/2001/XMLSchema" xmlns:p="http://schemas.microsoft.com/office/2006/metadata/properties" xmlns:ns1="http://schemas.microsoft.com/sharepoint/v3" xmlns:ns2="71af3243-3dd4-4a8d-8c0d-dd76da1f02a5" xmlns:ns3="16c05727-aa75-4e4a-9b5f-8a80a1165891" xmlns:ns4="230e9df3-be65-4c73-a93b-d1236ebd677e" targetNamespace="http://schemas.microsoft.com/office/2006/metadata/properties" ma:root="true" ma:fieldsID="7dd78129e6a1811f84807ad11c651531" ns1:_="" ns2:_="" ns3:_="" ns4:_="">
     <xsd:import namespace="http://schemas.microsoft.com/sharepoint/v3"/>
@@ -12813,36 +12884,34 @@
 </ct:contentTypeSchema>
 </file>
 
-<file path=customXml/item2.xml><?xml version="1.0" encoding="utf-8"?>
-<p:properties xmlns:p="http://schemas.microsoft.com/office/2006/metadata/properties" xmlns:xsi="http://www.w3.org/2001/XMLSchema-instance" xmlns:pc="http://schemas.microsoft.com/office/infopath/2007/PartnerControls">
-  <documentManagement>
-    <_ip_UnifiedCompliancePolicyUIAction xmlns="http://schemas.microsoft.com/sharepoint/v3" xsi:nil="true"/>
-    <Image xmlns="71af3243-3dd4-4a8d-8c0d-dd76da1f02a5">
-      <Url xsi:nil="true"/>
-      <Description xsi:nil="true"/>
-    </Image>
-    <Status xmlns="71af3243-3dd4-4a8d-8c0d-dd76da1f02a5">Not started</Status>
-    <Background xmlns="71af3243-3dd4-4a8d-8c0d-dd76da1f02a5">false</Background>
-    <_ip_UnifiedCompliancePolicyProperties xmlns="http://schemas.microsoft.com/sharepoint/v3" xsi:nil="true"/>
-    <ImageTagsTaxHTField xmlns="71af3243-3dd4-4a8d-8c0d-dd76da1f02a5">
-      <Terms xmlns="http://schemas.microsoft.com/office/infopath/2007/PartnerControls"/>
-    </ImageTagsTaxHTField>
-    <TaxCatchAll xmlns="230e9df3-be65-4c73-a93b-d1236ebd677e" xsi:nil="true"/>
-    <MediaServiceKeyPoints xmlns="71af3243-3dd4-4a8d-8c0d-dd76da1f02a5" xsi:nil="true"/>
-  </documentManagement>
-</p:properties>
+<file path=customXml/itemProps1.xml><?xml version="1.0" encoding="utf-8"?>
+<ds:datastoreItem xmlns:ds="http://schemas.openxmlformats.org/officeDocument/2006/customXml" ds:itemID="{CABF691C-888B-4061-8A6F-D5CE84A0254B}">
+  <ds:schemaRefs>
+    <ds:schemaRef ds:uri="http://schemas.microsoft.com/sharepoint/v3/contenttype/forms"/>
+  </ds:schemaRefs>
+</ds:datastoreItem>
 </file>
 
-<file path=customXml/item3.xml><?xml version="1.0" encoding="utf-8"?>
-<?mso-contentType ?>
-<FormTemplates xmlns="http://schemas.microsoft.com/sharepoint/v3/contenttype/forms">
-  <Display>DocumentLibraryForm</Display>
-  <Edit>DocumentLibraryForm</Edit>
-  <New>DocumentLibraryForm</New>
-</FormTemplates>
+<file path=customXml/itemProps2.xml><?xml version="1.0" encoding="utf-8"?>
+<ds:datastoreItem xmlns:ds="http://schemas.openxmlformats.org/officeDocument/2006/customXml" ds:itemID="{49168DCE-134F-4610-A6AA-88CEBE8D71D2}">
+  <ds:schemaRefs>
+    <ds:schemaRef ds:uri="http://schemas.microsoft.com/sharepoint/v3"/>
+    <ds:schemaRef ds:uri="71af3243-3dd4-4a8d-8c0d-dd76da1f02a5"/>
+    <ds:schemaRef ds:uri="http://www.w3.org/XML/1998/namespace"/>
+    <ds:schemaRef ds:uri="http://schemas.microsoft.com/office/infopath/2007/PartnerControls"/>
+    <ds:schemaRef ds:uri="http://schemas.microsoft.com/office/2006/documentManagement/types"/>
+    <ds:schemaRef ds:uri="http://purl.org/dc/elements/1.1/"/>
+    <ds:schemaRef ds:uri="16c05727-aa75-4e4a-9b5f-8a80a1165891"/>
+    <ds:schemaRef ds:uri="http://purl.org/dc/terms/"/>
+    <ds:schemaRef ds:uri="http://schemas.openxmlformats.org/package/2006/metadata/core-properties"/>
+    <ds:schemaRef ds:uri="230e9df3-be65-4c73-a93b-d1236ebd677e"/>
+    <ds:schemaRef ds:uri="http://schemas.microsoft.com/office/2006/metadata/properties"/>
+    <ds:schemaRef ds:uri="http://purl.org/dc/dcmitype/"/>
+  </ds:schemaRefs>
+</ds:datastoreItem>
 </file>
 
-<file path=customXml/itemProps1.xml><?xml version="1.0" encoding="utf-8"?>
+<file path=customXml/itemProps3.xml><?xml version="1.0" encoding="utf-8"?>
 <ds:datastoreItem xmlns:ds="http://schemas.openxmlformats.org/officeDocument/2006/customXml" ds:itemID="{5EDE3176-A15D-46A3-BDDB-64A0D7363224}">
   <ds:schemaRefs>
     <ds:schemaRef ds:uri="http://schemas.microsoft.com/office/2006/metadata/contentType"/>
@@ -12863,33 +12932,6 @@
 </ds:datastoreItem>
 </file>
 
-<file path=customXml/itemProps2.xml><?xml version="1.0" encoding="utf-8"?>
-<ds:datastoreItem xmlns:ds="http://schemas.openxmlformats.org/officeDocument/2006/customXml" ds:itemID="{49168DCE-134F-4610-A6AA-88CEBE8D71D2}">
-  <ds:schemaRefs>
-    <ds:schemaRef ds:uri="http://www.w3.org/XML/1998/namespace"/>
-    <ds:schemaRef ds:uri="http://schemas.microsoft.com/office/2006/documentManagement/types"/>
-    <ds:schemaRef ds:uri="http://schemas.openxmlformats.org/package/2006/metadata/core-properties"/>
-    <ds:schemaRef ds:uri="http://schemas.microsoft.com/office/2006/metadata/properties"/>
-    <ds:schemaRef ds:uri="http://purl.org/dc/dcmitype/"/>
-    <ds:schemaRef ds:uri="http://purl.org/dc/terms/"/>
-    <ds:schemaRef ds:uri="http://schemas.microsoft.com/office/infopath/2007/PartnerControls"/>
-    <ds:schemaRef ds:uri="16c05727-aa75-4e4a-9b5f-8a80a1165891"/>
-    <ds:schemaRef ds:uri="230e9df3-be65-4c73-a93b-d1236ebd677e"/>
-    <ds:schemaRef ds:uri="71af3243-3dd4-4a8d-8c0d-dd76da1f02a5"/>
-    <ds:schemaRef ds:uri="http://schemas.microsoft.com/sharepoint/v3"/>
-    <ds:schemaRef ds:uri="http://purl.org/dc/elements/1.1/"/>
-  </ds:schemaRefs>
-</ds:datastoreItem>
-</file>
-
-<file path=customXml/itemProps3.xml><?xml version="1.0" encoding="utf-8"?>
-<ds:datastoreItem xmlns:ds="http://schemas.openxmlformats.org/officeDocument/2006/customXml" ds:itemID="{CABF691C-888B-4061-8A6F-D5CE84A0254B}">
-  <ds:schemaRefs>
-    <ds:schemaRef ds:uri="http://schemas.microsoft.com/sharepoint/v3/contenttype/forms"/>
-  </ds:schemaRefs>
-</ds:datastoreItem>
-</file>
-
 <file path=docMetadata/LabelInfo.xml><?xml version="1.0" encoding="utf-8"?>
 <clbl:labelList xmlns:clbl="http://schemas.microsoft.com/office/2020/mipLabelMetadata"/>
 </file>